--- a/resource/Logo_creation/CO2une_logo.pptx
+++ b/resource/Logo_creation/CO2une_logo.pptx
@@ -6,6 +6,7 @@
   </p:sldMasterIdLst>
   <p:sldIdLst>
     <p:sldId id="256" r:id="rId2"/>
+    <p:sldId id="257" r:id="rId3"/>
   </p:sldIdLst>
   <p:sldSz cx="12192000" cy="6858000"/>
   <p:notesSz cx="6858000" cy="9144000"/>
@@ -259,7 +260,7 @@
           <a:p>
             <a:fld id="{9EEC2DF6-485B-4A3C-8CA2-9F9183E162F4}" type="datetimeFigureOut">
               <a:rPr lang="de-DE" smtClean="0"/>
-              <a:t>02.02.2024</a:t>
+              <a:t>05.02.2024</a:t>
             </a:fld>
             <a:endParaRPr lang="de-DE"/>
           </a:p>
@@ -457,7 +458,7 @@
           <a:p>
             <a:fld id="{9EEC2DF6-485B-4A3C-8CA2-9F9183E162F4}" type="datetimeFigureOut">
               <a:rPr lang="de-DE" smtClean="0"/>
-              <a:t>02.02.2024</a:t>
+              <a:t>05.02.2024</a:t>
             </a:fld>
             <a:endParaRPr lang="de-DE"/>
           </a:p>
@@ -665,7 +666,7 @@
           <a:p>
             <a:fld id="{9EEC2DF6-485B-4A3C-8CA2-9F9183E162F4}" type="datetimeFigureOut">
               <a:rPr lang="de-DE" smtClean="0"/>
-              <a:t>02.02.2024</a:t>
+              <a:t>05.02.2024</a:t>
             </a:fld>
             <a:endParaRPr lang="de-DE"/>
           </a:p>
@@ -863,7 +864,7 @@
           <a:p>
             <a:fld id="{9EEC2DF6-485B-4A3C-8CA2-9F9183E162F4}" type="datetimeFigureOut">
               <a:rPr lang="de-DE" smtClean="0"/>
-              <a:t>02.02.2024</a:t>
+              <a:t>05.02.2024</a:t>
             </a:fld>
             <a:endParaRPr lang="de-DE"/>
           </a:p>
@@ -1138,7 +1139,7 @@
           <a:p>
             <a:fld id="{9EEC2DF6-485B-4A3C-8CA2-9F9183E162F4}" type="datetimeFigureOut">
               <a:rPr lang="de-DE" smtClean="0"/>
-              <a:t>02.02.2024</a:t>
+              <a:t>05.02.2024</a:t>
             </a:fld>
             <a:endParaRPr lang="de-DE"/>
           </a:p>
@@ -1403,7 +1404,7 @@
           <a:p>
             <a:fld id="{9EEC2DF6-485B-4A3C-8CA2-9F9183E162F4}" type="datetimeFigureOut">
               <a:rPr lang="de-DE" smtClean="0"/>
-              <a:t>02.02.2024</a:t>
+              <a:t>05.02.2024</a:t>
             </a:fld>
             <a:endParaRPr lang="de-DE"/>
           </a:p>
@@ -1815,7 +1816,7 @@
           <a:p>
             <a:fld id="{9EEC2DF6-485B-4A3C-8CA2-9F9183E162F4}" type="datetimeFigureOut">
               <a:rPr lang="de-DE" smtClean="0"/>
-              <a:t>02.02.2024</a:t>
+              <a:t>05.02.2024</a:t>
             </a:fld>
             <a:endParaRPr lang="de-DE"/>
           </a:p>
@@ -1956,7 +1957,7 @@
           <a:p>
             <a:fld id="{9EEC2DF6-485B-4A3C-8CA2-9F9183E162F4}" type="datetimeFigureOut">
               <a:rPr lang="de-DE" smtClean="0"/>
-              <a:t>02.02.2024</a:t>
+              <a:t>05.02.2024</a:t>
             </a:fld>
             <a:endParaRPr lang="de-DE"/>
           </a:p>
@@ -2069,7 +2070,7 @@
           <a:p>
             <a:fld id="{9EEC2DF6-485B-4A3C-8CA2-9F9183E162F4}" type="datetimeFigureOut">
               <a:rPr lang="de-DE" smtClean="0"/>
-              <a:t>02.02.2024</a:t>
+              <a:t>05.02.2024</a:t>
             </a:fld>
             <a:endParaRPr lang="de-DE"/>
           </a:p>
@@ -2380,7 +2381,7 @@
           <a:p>
             <a:fld id="{9EEC2DF6-485B-4A3C-8CA2-9F9183E162F4}" type="datetimeFigureOut">
               <a:rPr lang="de-DE" smtClean="0"/>
-              <a:t>02.02.2024</a:t>
+              <a:t>05.02.2024</a:t>
             </a:fld>
             <a:endParaRPr lang="de-DE"/>
           </a:p>
@@ -2668,7 +2669,7 @@
           <a:p>
             <a:fld id="{9EEC2DF6-485B-4A3C-8CA2-9F9183E162F4}" type="datetimeFigureOut">
               <a:rPr lang="de-DE" smtClean="0"/>
-              <a:t>02.02.2024</a:t>
+              <a:t>05.02.2024</a:t>
             </a:fld>
             <a:endParaRPr lang="de-DE"/>
           </a:p>
@@ -2909,7 +2910,7 @@
           <a:p>
             <a:fld id="{9EEC2DF6-485B-4A3C-8CA2-9F9183E162F4}" type="datetimeFigureOut">
               <a:rPr lang="de-DE" smtClean="0"/>
-              <a:t>02.02.2024</a:t>
+              <a:t>05.02.2024</a:t>
             </a:fld>
             <a:endParaRPr lang="de-DE"/>
           </a:p>
@@ -3443,6 +3444,149 @@
 </p:sld>
 </file>
 
+<file path=ppt/slides/slide2.xml><?xml version="1.0" encoding="utf-8"?>
+<p:sld xmlns:a="http://schemas.openxmlformats.org/drawingml/2006/main" xmlns:r="http://schemas.openxmlformats.org/officeDocument/2006/relationships" xmlns:p="http://schemas.openxmlformats.org/presentationml/2006/main">
+  <p:cSld>
+    <p:bg>
+      <p:bgPr>
+        <a:solidFill>
+          <a:srgbClr val="263238"/>
+        </a:solidFill>
+        <a:effectLst/>
+      </p:bgPr>
+    </p:bg>
+    <p:spTree>
+      <p:nvGrpSpPr>
+        <p:cNvPr id="1" name="">
+          <a:extLst>
+            <a:ext uri="{FF2B5EF4-FFF2-40B4-BE49-F238E27FC236}">
+              <a16:creationId xmlns:a16="http://schemas.microsoft.com/office/drawing/2014/main" id="{1F8FAC2E-B04E-EF44-DC8A-A9C7356AEA1C}"/>
+            </a:ext>
+          </a:extLst>
+        </p:cNvPr>
+        <p:cNvGrpSpPr/>
+        <p:nvPr/>
+      </p:nvGrpSpPr>
+      <p:grpSpPr>
+        <a:xfrm>
+          <a:off x="0" y="0"/>
+          <a:ext cx="0" cy="0"/>
+          <a:chOff x="0" y="0"/>
+          <a:chExt cx="0" cy="0"/>
+        </a:xfrm>
+      </p:grpSpPr>
+      <p:sp>
+        <p:nvSpPr>
+          <p:cNvPr id="4" name="Titel 3">
+            <a:extLst>
+              <a:ext uri="{FF2B5EF4-FFF2-40B4-BE49-F238E27FC236}">
+                <a16:creationId xmlns:a16="http://schemas.microsoft.com/office/drawing/2014/main" id="{3886E2D0-43D3-9FB4-3BFE-89561D028FE6}"/>
+              </a:ext>
+            </a:extLst>
+          </p:cNvPr>
+          <p:cNvSpPr>
+            <a:spLocks noGrp="1"/>
+          </p:cNvSpPr>
+          <p:nvPr>
+            <p:ph type="title"/>
+          </p:nvPr>
+        </p:nvSpPr>
+        <p:spPr>
+          <a:xfrm>
+            <a:off x="838200" y="2766218"/>
+            <a:ext cx="10515600" cy="1325563"/>
+          </a:xfrm>
+        </p:spPr>
+        <p:txBody>
+          <a:bodyPr/>
+          <a:lstStyle/>
+          <a:p>
+            <a:pPr algn="ctr"/>
+            <a:r>
+              <a:rPr lang="de-DE" b="1" dirty="0">
+                <a:solidFill>
+                  <a:srgbClr val="548235"/>
+                </a:solidFill>
+                <a:latin typeface="Microsoft YaHei UI Light" panose="020B0502040204020203" pitchFamily="34" charset="-122"/>
+                <a:ea typeface="Microsoft YaHei UI Light" panose="020B0502040204020203" pitchFamily="34" charset="-122"/>
+              </a:rPr>
+              <a:t>CO</a:t>
+            </a:r>
+            <a:r>
+              <a:rPr lang="de-DE" b="1" baseline="-25000" dirty="0">
+                <a:solidFill>
+                  <a:srgbClr val="548235"/>
+                </a:solidFill>
+                <a:latin typeface="Microsoft YaHei UI Light" panose="020B0502040204020203" pitchFamily="34" charset="-122"/>
+                <a:ea typeface="Microsoft YaHei UI Light" panose="020B0502040204020203" pitchFamily="34" charset="-122"/>
+              </a:rPr>
+              <a:t>2</a:t>
+            </a:r>
+            <a:r>
+              <a:rPr lang="de-DE" b="1" dirty="0">
+                <a:solidFill>
+                  <a:schemeClr val="bg1"/>
+                </a:solidFill>
+                <a:latin typeface="Microsoft YaHei UI Light" panose="020B0502040204020203" pitchFamily="34" charset="-122"/>
+                <a:ea typeface="Microsoft YaHei UI Light" panose="020B0502040204020203" pitchFamily="34" charset="-122"/>
+              </a:rPr>
+              <a:t>une</a:t>
+            </a:r>
+          </a:p>
+        </p:txBody>
+      </p:sp>
+      <p:pic>
+        <p:nvPicPr>
+          <p:cNvPr id="6" name="Grafik 5" descr="Akquisition mit einfarbiger Füllung">
+            <a:extLst>
+              <a:ext uri="{FF2B5EF4-FFF2-40B4-BE49-F238E27FC236}">
+                <a16:creationId xmlns:a16="http://schemas.microsoft.com/office/drawing/2014/main" id="{B5FE9B9F-4DD9-85E5-1A6E-BCB03240BD00}"/>
+              </a:ext>
+            </a:extLst>
+          </p:cNvPr>
+          <p:cNvPicPr>
+            <a:picLocks noChangeAspect="1"/>
+          </p:cNvPicPr>
+          <p:nvPr/>
+        </p:nvPicPr>
+        <p:blipFill>
+          <a:blip r:embed="rId2">
+            <a:extLst>
+              <a:ext uri="{28A0092B-C50C-407E-A947-70E740481C1C}">
+                <a14:useLocalDpi xmlns:a14="http://schemas.microsoft.com/office/drawing/2010/main" val="0"/>
+              </a:ext>
+              <a:ext uri="{96DAC541-7B7A-43D3-8B79-37D633B846F1}">
+                <asvg:svgBlip xmlns:asvg="http://schemas.microsoft.com/office/drawing/2016/SVG/main" r:embed="rId3"/>
+              </a:ext>
+            </a:extLst>
+          </a:blip>
+          <a:stretch>
+            <a:fillRect/>
+          </a:stretch>
+        </p:blipFill>
+        <p:spPr>
+          <a:xfrm>
+            <a:off x="5340494" y="2335798"/>
+            <a:ext cx="1438587" cy="1533839"/>
+          </a:xfrm>
+          <a:prstGeom prst="rect">
+            <a:avLst/>
+          </a:prstGeom>
+        </p:spPr>
+      </p:pic>
+    </p:spTree>
+    <p:extLst>
+      <p:ext uri="{BB962C8B-B14F-4D97-AF65-F5344CB8AC3E}">
+        <p14:creationId xmlns:p14="http://schemas.microsoft.com/office/powerpoint/2010/main" val="2520834280"/>
+      </p:ext>
+    </p:extLst>
+  </p:cSld>
+  <p:clrMapOvr>
+    <a:masterClrMapping/>
+  </p:clrMapOvr>
+</p:sld>
+</file>
+
 <file path=ppt/theme/theme1.xml><?xml version="1.0" encoding="utf-8"?>
 <a:theme xmlns:a="http://schemas.openxmlformats.org/drawingml/2006/main" name="Office">
   <a:themeElements>
